--- a/Final Project Presentation Group 1.pptx
+++ b/Final Project Presentation Group 1.pptx
@@ -37,7 +37,9 @@
     <p:sldId id="328" r:id="rId30"/>
     <p:sldId id="330" r:id="rId31"/>
     <p:sldId id="331" r:id="rId32"/>
-    <p:sldId id="277" r:id="rId33"/>
+    <p:sldId id="339" r:id="rId33"/>
+    <p:sldId id="340" r:id="rId34"/>
+    <p:sldId id="277" r:id="rId35"/>
   </p:sldIdLst>
   <p:sldSz cx="12192000" cy="6858000"/>
   <p:notesSz cx="6858000" cy="9144000"/>
@@ -171,6 +173,8 @@
             <p14:sldId id="330"/>
             <p14:sldId id="331"/>
             <p14:sldId id="277"/>
+            <p14:sldId id="339"/>
+            <p14:sldId id="340"/>
           </p14:sldIdLst>
         </p14:section>
       </p14:sectionLst>
@@ -17497,6 +17501,320 @@
 </file>
 
 <file path=ppt/slides/slide30.xml><?xml version="1.0" encoding="utf-8"?>
+<p:sld xmlns:a="http://schemas.openxmlformats.org/drawingml/2006/main" xmlns:r="http://schemas.openxmlformats.org/officeDocument/2006/relationships" xmlns:p="http://schemas.openxmlformats.org/presentationml/2006/main">
+  <p:cSld>
+    <p:spTree>
+      <p:nvGrpSpPr>
+        <p:cNvPr id="1" name=""/>
+        <p:cNvGrpSpPr/>
+        <p:nvPr/>
+      </p:nvGrpSpPr>
+      <p:grpSpPr/>
+      <p:sp>
+        <p:nvSpPr>
+          <p:cNvPr id="2" name="Title 1"/>
+          <p:cNvSpPr>
+            <a:spLocks noGrp="1"/>
+          </p:cNvSpPr>
+          <p:nvPr>
+            <p:ph type="title"/>
+          </p:nvPr>
+        </p:nvSpPr>
+        <p:spPr/>
+        <p:txBody>
+          <a:bodyPr/>
+          <a:p>
+            <a:pPr algn="ctr"/>
+            <a:r>
+              <a:rPr lang="en-US" u="sng"/>
+              <a:t>CHALLENGES FACED</a:t>
+            </a:r>
+            <a:endParaRPr lang="en-US" u="sng"/>
+          </a:p>
+        </p:txBody>
+      </p:sp>
+      <p:sp>
+        <p:nvSpPr>
+          <p:cNvPr id="3" name="Content Placeholder 2"/>
+          <p:cNvSpPr>
+            <a:spLocks noGrp="1"/>
+          </p:cNvSpPr>
+          <p:nvPr>
+            <p:ph sz="half" idx="1"/>
+          </p:nvPr>
+        </p:nvSpPr>
+        <p:spPr>
+          <a:xfrm>
+            <a:off x="1155065" y="2603500"/>
+            <a:ext cx="10119360" cy="3938905"/>
+          </a:xfrm>
+        </p:spPr>
+        <p:txBody>
+          <a:bodyPr>
+            <a:normAutofit lnSpcReduction="20000"/>
+          </a:bodyPr>
+          <a:p>
+            <a:pPr marL="0" indent="0">
+              <a:buFont typeface="Wingdings" panose="05000000000000000000" charset="0"/>
+              <a:buNone/>
+            </a:pPr>
+            <a:r>
+              <a:rPr lang="en-US" b="1"/>
+              <a:t>The below are the few challenges we faced during this project</a:t>
+            </a:r>
+            <a:r>
+              <a:rPr lang="en-US"/>
+              <a:t>,</a:t>
+            </a:r>
+            <a:endParaRPr lang="en-US"/>
+          </a:p>
+          <a:p>
+            <a:pPr>
+              <a:buFont typeface="Wingdings" panose="05000000000000000000" charset="0"/>
+              <a:buChar char="q"/>
+            </a:pPr>
+            <a:r>
+              <a:rPr lang="en-US" b="1"/>
+              <a:t>Web scrapping:</a:t>
+            </a:r>
+            <a:r>
+              <a:rPr lang="en-US"/>
+              <a:t>We rectified builtin nse library.</a:t>
+            </a:r>
+            <a:endParaRPr lang="en-US"/>
+          </a:p>
+          <a:p>
+            <a:pPr>
+              <a:buFont typeface="Wingdings" panose="05000000000000000000" charset="0"/>
+              <a:buChar char="q"/>
+            </a:pPr>
+            <a:r>
+              <a:rPr lang="en-US" b="1"/>
+              <a:t>Handling null-values</a:t>
+            </a:r>
+            <a:r>
+              <a:rPr lang="en-US"/>
+              <a:t>:We filled null values with backward fill method.</a:t>
+            </a:r>
+            <a:endParaRPr lang="en-US"/>
+          </a:p>
+          <a:p>
+            <a:pPr>
+              <a:buFont typeface="Wingdings" panose="05000000000000000000" charset="0"/>
+              <a:buChar char="q"/>
+            </a:pPr>
+            <a:r>
+              <a:rPr lang="en-US" b="1"/>
+              <a:t>Selecting feature:</a:t>
+            </a:r>
+            <a:r>
+              <a:rPr lang="en-US"/>
+              <a:t>We considered Open,High,Low,Close.</a:t>
+            </a:r>
+            <a:endParaRPr lang="en-US"/>
+          </a:p>
+          <a:p>
+            <a:pPr>
+              <a:buFont typeface="Wingdings" panose="05000000000000000000" charset="0"/>
+              <a:buChar char="q"/>
+            </a:pPr>
+            <a:r>
+              <a:rPr lang="en-US" b="1"/>
+              <a:t>Checking stationarity of data:</a:t>
+            </a:r>
+            <a:r>
+              <a:rPr lang="en-US"/>
+              <a:t>From Agumented dicky fuller test,based on p-value checked the stationarity of data points.</a:t>
+            </a:r>
+            <a:endParaRPr lang="en-US"/>
+          </a:p>
+          <a:p>
+            <a:pPr>
+              <a:buFont typeface="Wingdings" panose="05000000000000000000" charset="0"/>
+              <a:buChar char="q"/>
+            </a:pPr>
+            <a:r>
+              <a:rPr lang="en-US" b="1"/>
+              <a:t>Splitting data:</a:t>
+            </a:r>
+            <a:r>
+              <a:rPr lang="en-US"/>
+              <a:t>Train test split we it used to break sequence of data.So,we created function for train and test data without breaking sequence of data.</a:t>
+            </a:r>
+            <a:endParaRPr lang="en-US"/>
+          </a:p>
+          <a:p>
+            <a:pPr>
+              <a:buFont typeface="Wingdings" panose="05000000000000000000" charset="0"/>
+              <a:buChar char="q"/>
+            </a:pPr>
+            <a:r>
+              <a:rPr lang="en-US" b="1"/>
+              <a:t>Finalising Model:</a:t>
+            </a:r>
+            <a:r>
+              <a:rPr lang="en-US"/>
+              <a:t>By Exploring various scripts on time series.we got to know that LSTM will give best result.</a:t>
+            </a:r>
+            <a:endParaRPr lang="en-US"/>
+          </a:p>
+          <a:p>
+            <a:pPr>
+              <a:buFont typeface="Wingdings" panose="05000000000000000000" charset="0"/>
+              <a:buChar char="q"/>
+            </a:pPr>
+            <a:r>
+              <a:rPr lang="en-US" b="1"/>
+              <a:t>Forecasting Model:</a:t>
+            </a:r>
+            <a:r>
+              <a:rPr lang="en-US"/>
+              <a:t>Model was not taking  2D array.so,we converted to 3D array and predicted Close column.</a:t>
+            </a:r>
+            <a:endParaRPr lang="en-US"/>
+          </a:p>
+          <a:p>
+            <a:pPr>
+              <a:buFont typeface="+mj-lt"/>
+              <a:buAutoNum type="arabicPeriod"/>
+            </a:pPr>
+            <a:endParaRPr lang="en-US"/>
+          </a:p>
+          <a:p>
+            <a:pPr>
+              <a:buFont typeface="+mj-lt"/>
+              <a:buAutoNum type="arabicPeriod"/>
+            </a:pPr>
+            <a:endParaRPr lang="en-US"/>
+          </a:p>
+          <a:p>
+            <a:pPr>
+              <a:buFont typeface="+mj-lt"/>
+              <a:buAutoNum type="arabicPeriod"/>
+            </a:pPr>
+            <a:endParaRPr lang="en-US" b="1"/>
+          </a:p>
+          <a:p>
+            <a:pPr marL="0" indent="0">
+              <a:buFont typeface="+mj-lt"/>
+              <a:buNone/>
+            </a:pPr>
+            <a:endParaRPr lang="en-US"/>
+          </a:p>
+          <a:p>
+            <a:pPr>
+              <a:buFont typeface="+mj-lt"/>
+              <a:buAutoNum type="arabicPeriod"/>
+            </a:pPr>
+            <a:endParaRPr lang="en-US"/>
+          </a:p>
+        </p:txBody>
+      </p:sp>
+    </p:spTree>
+  </p:cSld>
+  <p:clrMapOvr>
+    <a:masterClrMapping/>
+  </p:clrMapOvr>
+</p:sld>
+</file>
+
+<file path=ppt/slides/slide31.xml><?xml version="1.0" encoding="utf-8"?>
+<p:sld xmlns:a="http://schemas.openxmlformats.org/drawingml/2006/main" xmlns:r="http://schemas.openxmlformats.org/officeDocument/2006/relationships" xmlns:p="http://schemas.openxmlformats.org/presentationml/2006/main">
+  <p:cSld>
+    <p:spTree>
+      <p:nvGrpSpPr>
+        <p:cNvPr id="1" name=""/>
+        <p:cNvGrpSpPr/>
+        <p:nvPr/>
+      </p:nvGrpSpPr>
+      <p:grpSpPr/>
+      <p:sp>
+        <p:nvSpPr>
+          <p:cNvPr id="2" name="Title 1"/>
+          <p:cNvSpPr>
+            <a:spLocks noGrp="1"/>
+          </p:cNvSpPr>
+          <p:nvPr>
+            <p:ph type="title"/>
+          </p:nvPr>
+        </p:nvSpPr>
+        <p:spPr/>
+        <p:txBody>
+          <a:bodyPr/>
+          <a:p>
+            <a:pPr algn="ctr"/>
+            <a:r>
+              <a:rPr lang="en-US" u="sng">
+                <a:sym typeface="+mn-ea"/>
+              </a:rPr>
+              <a:t>CHALLENGES FACED</a:t>
+            </a:r>
+            <a:br>
+              <a:rPr lang="en-US" u="sng"/>
+            </a:br>
+            <a:endParaRPr lang="en-US"/>
+          </a:p>
+        </p:txBody>
+      </p:sp>
+      <p:sp>
+        <p:nvSpPr>
+          <p:cNvPr id="3" name="Content Placeholder 2"/>
+          <p:cNvSpPr>
+            <a:spLocks noGrp="1"/>
+          </p:cNvSpPr>
+          <p:nvPr>
+            <p:ph sz="half" idx="1"/>
+          </p:nvPr>
+        </p:nvSpPr>
+        <p:spPr>
+          <a:xfrm>
+            <a:off x="1155065" y="2603500"/>
+            <a:ext cx="9624060" cy="3428365"/>
+          </a:xfrm>
+        </p:spPr>
+        <p:txBody>
+          <a:bodyPr/>
+          <a:p>
+            <a:pPr>
+              <a:buFont typeface="Wingdings" panose="05000000000000000000" charset="0"/>
+              <a:buChar char="q"/>
+            </a:pPr>
+            <a:r>
+              <a:rPr lang="en-US" b="1"/>
+              <a:t>Deployment:</a:t>
+            </a:r>
+            <a:r>
+              <a:rPr lang="en-US"/>
+              <a:t>Doing deployment was a new thing for us.We explored to our best and did the deployment.</a:t>
+            </a:r>
+            <a:endParaRPr lang="en-US"/>
+          </a:p>
+          <a:p>
+            <a:pPr>
+              <a:buFont typeface="Wingdings" panose="05000000000000000000" charset="0"/>
+              <a:buChar char="q"/>
+            </a:pPr>
+            <a:r>
+              <a:rPr lang="en-US" b="1"/>
+              <a:t>Plotting graph on web app:</a:t>
+            </a:r>
+            <a:r>
+              <a:rPr lang="en-US"/>
+              <a:t>This was very challenging task for us.After our research we got to know that we need to use st.pyplot().</a:t>
+            </a:r>
+            <a:endParaRPr lang="en-US"/>
+          </a:p>
+        </p:txBody>
+      </p:sp>
+    </p:spTree>
+  </p:cSld>
+  <p:clrMapOvr>
+    <a:masterClrMapping/>
+  </p:clrMapOvr>
+</p:sld>
+</file>
+
+<file path=ppt/slides/slide32.xml><?xml version="1.0" encoding="utf-8"?>
 <p:sld xmlns:a="http://schemas.openxmlformats.org/drawingml/2006/main" xmlns:r="http://schemas.openxmlformats.org/officeDocument/2006/relationships" xmlns:p="http://schemas.openxmlformats.org/presentationml/2006/main">
   <p:cSld>
     <p:spTree>

--- a/Final Project Presentation Group 1.pptx
+++ b/Final Project Presentation Group 1.pptx
@@ -165,7 +165,6 @@
             <p14:sldId id="281"/>
             <p14:sldId id="318"/>
             <p14:sldId id="320"/>
-            <p14:sldId id="322"/>
             <p14:sldId id="323"/>
             <p14:sldId id="324"/>
             <p14:sldId id="334"/>
@@ -175,6 +174,7 @@
             <p14:sldId id="277"/>
             <p14:sldId id="339"/>
             <p14:sldId id="340"/>
+            <p14:sldId id="322"/>
           </p14:sldIdLst>
         </p14:section>
       </p14:sectionLst>
@@ -17785,7 +17785,7 @@
             </a:r>
             <a:r>
               <a:rPr lang="en-US"/>
-              <a:t>Doing deployment was a new thing for us.We explored to our best and did the deployment.</a:t>
+              <a:t>Doing deployment was a new thing for us.We explored to our best and did the deployment using streamlit library.</a:t>
             </a:r>
             <a:endParaRPr lang="en-US"/>
           </a:p>
